--- a/Template.pptx
+++ b/Template.pptx
@@ -2442,7 +2442,10 @@
           <a:bodyPr/>
           <a:lstStyle/>
           <a:p>
-            <a:endParaRPr lang="en-BR" dirty="0"/>
+            <a:r>
+              <a:rPr lang="en-BR" dirty="0"/>
+              <a:t>I filled this slide with dummy data to simulate the real report</a:t>
+            </a:r>
           </a:p>
         </p:txBody>
       </p:sp>
@@ -5560,7 +5563,7 @@
         </p:nvSpPr>
         <p:spPr>
           <a:xfrm>
-            <a:off x="351064" y="1573588"/>
+            <a:off x="351064" y="2168721"/>
             <a:ext cx="3517587" cy="276999"/>
           </a:xfrm>
           <a:prstGeom prst="rect">
@@ -5604,8 +5607,8 @@
         </p:nvSpPr>
         <p:spPr>
           <a:xfrm>
-            <a:off x="351064" y="1850587"/>
-            <a:ext cx="5251714" cy="261610"/>
+            <a:off x="351064" y="2445720"/>
+            <a:ext cx="6155872" cy="1277273"/>
           </a:xfrm>
           <a:prstGeom prst="rect">
             <a:avLst/>
@@ -5619,11 +5622,1944 @@
           <a:lstStyle/>
           <a:p>
             <a:r>
-              <a:rPr lang="en-BR" sz="1100" dirty="0">
-                <a:latin typeface="Helvetica Neue Light" panose="02000403000000020004" pitchFamily="2" charset="0"/>
-                <a:ea typeface="Helvetica Neue Light" panose="02000403000000020004" pitchFamily="2" charset="0"/>
+              <a:rPr lang="en-US" sz="1100" dirty="0"/>
+              <a:t>Lorem ipsum dolor sit </a:t>
+            </a:r>
+            <a:r>
+              <a:rPr lang="en-US" sz="1100" dirty="0" err="1"/>
+              <a:t>amet</a:t>
+            </a:r>
+            <a:r>
+              <a:rPr lang="en-US" sz="1100" dirty="0"/>
+              <a:t>, </a:t>
+            </a:r>
+            <a:r>
+              <a:rPr lang="en-US" sz="1100" dirty="0" err="1"/>
+              <a:t>consectetur</a:t>
+            </a:r>
+            <a:r>
+              <a:rPr lang="en-US" sz="1100" dirty="0"/>
+              <a:t> </a:t>
+            </a:r>
+            <a:r>
+              <a:rPr lang="en-US" sz="1100" dirty="0" err="1"/>
+              <a:t>adipiscing</a:t>
+            </a:r>
+            <a:r>
+              <a:rPr lang="en-US" sz="1100" dirty="0"/>
+              <a:t> </a:t>
+            </a:r>
+            <a:r>
+              <a:rPr lang="en-US" sz="1100" dirty="0" err="1"/>
+              <a:t>elit</a:t>
+            </a:r>
+            <a:r>
+              <a:rPr lang="en-US" sz="1100" dirty="0"/>
+              <a:t>. </a:t>
+            </a:r>
+            <a:r>
+              <a:rPr lang="en-US" sz="1100" dirty="0" err="1"/>
+              <a:t>Quisque</a:t>
+            </a:r>
+            <a:r>
+              <a:rPr lang="en-US" sz="1100" dirty="0"/>
+              <a:t> </a:t>
+            </a:r>
+            <a:r>
+              <a:rPr lang="en-US" sz="1100" dirty="0" err="1"/>
+              <a:t>porttitor</a:t>
+            </a:r>
+            <a:r>
+              <a:rPr lang="en-US" sz="1100" dirty="0"/>
+              <a:t> </a:t>
+            </a:r>
+            <a:r>
+              <a:rPr lang="en-US" sz="1100" dirty="0" err="1"/>
+              <a:t>arcu</a:t>
+            </a:r>
+            <a:r>
+              <a:rPr lang="en-US" sz="1100" dirty="0"/>
+              <a:t> </a:t>
+            </a:r>
+            <a:r>
+              <a:rPr lang="en-US" sz="1100" dirty="0" err="1"/>
+              <a:t>justo</a:t>
+            </a:r>
+            <a:r>
+              <a:rPr lang="en-US" sz="1100" dirty="0"/>
+              <a:t>. Integer </a:t>
+            </a:r>
+            <a:r>
+              <a:rPr lang="en-US" sz="1100" dirty="0" err="1"/>
+              <a:t>aliquet</a:t>
+            </a:r>
+            <a:r>
+              <a:rPr lang="en-US" sz="1100" dirty="0"/>
+              <a:t> </a:t>
+            </a:r>
+            <a:r>
+              <a:rPr lang="en-US" sz="1100" dirty="0" err="1"/>
+              <a:t>elit</a:t>
+            </a:r>
+            <a:r>
+              <a:rPr lang="en-US" sz="1100" dirty="0"/>
+              <a:t> </a:t>
+            </a:r>
+            <a:r>
+              <a:rPr lang="en-US" sz="1100" dirty="0" err="1"/>
+              <a:t>sagittis</a:t>
+            </a:r>
+            <a:r>
+              <a:rPr lang="en-US" sz="1100" dirty="0"/>
+              <a:t> </a:t>
+            </a:r>
+            <a:r>
+              <a:rPr lang="en-US" sz="1100" dirty="0" err="1"/>
+              <a:t>nisl</a:t>
+            </a:r>
+            <a:r>
+              <a:rPr lang="en-US" sz="1100" dirty="0"/>
+              <a:t> </a:t>
+            </a:r>
+            <a:r>
+              <a:rPr lang="en-US" sz="1100" dirty="0" err="1"/>
+              <a:t>dapibus</a:t>
+            </a:r>
+            <a:r>
+              <a:rPr lang="en-US" sz="1100" dirty="0"/>
+              <a:t> </a:t>
+            </a:r>
+            <a:r>
+              <a:rPr lang="en-US" sz="1100" dirty="0" err="1"/>
+              <a:t>mattis</a:t>
+            </a:r>
+            <a:r>
+              <a:rPr lang="en-US" sz="1100" dirty="0"/>
+              <a:t>. </a:t>
+            </a:r>
+            <a:r>
+              <a:rPr lang="en-US" sz="1100" dirty="0" err="1"/>
+              <a:t>Praesent</a:t>
+            </a:r>
+            <a:r>
+              <a:rPr lang="en-US" sz="1100" dirty="0"/>
+              <a:t> </a:t>
+            </a:r>
+            <a:r>
+              <a:rPr lang="en-US" sz="1100" dirty="0" err="1"/>
+              <a:t>aliquet</a:t>
+            </a:r>
+            <a:r>
+              <a:rPr lang="en-US" sz="1100" dirty="0"/>
+              <a:t> vel lorem </a:t>
+            </a:r>
+            <a:r>
+              <a:rPr lang="en-US" sz="1100" dirty="0" err="1"/>
+              <a:t>elementum</a:t>
+            </a:r>
+            <a:r>
+              <a:rPr lang="en-US" sz="1100" dirty="0"/>
+              <a:t> </a:t>
+            </a:r>
+            <a:r>
+              <a:rPr lang="en-US" sz="1100" dirty="0" err="1"/>
+              <a:t>ultricies</a:t>
+            </a:r>
+            <a:r>
+              <a:rPr lang="en-US" sz="1100" dirty="0"/>
+              <a:t>. Sed </a:t>
+            </a:r>
+            <a:r>
+              <a:rPr lang="en-US" sz="1100" dirty="0" err="1"/>
+              <a:t>tempor</a:t>
+            </a:r>
+            <a:r>
+              <a:rPr lang="en-US" sz="1100" dirty="0"/>
+              <a:t> diam </a:t>
+            </a:r>
+            <a:r>
+              <a:rPr lang="en-US" sz="1100" dirty="0" err="1"/>
+              <a:t>leo</a:t>
+            </a:r>
+            <a:r>
+              <a:rPr lang="en-US" sz="1100" dirty="0"/>
+              <a:t>, et </a:t>
+            </a:r>
+            <a:r>
+              <a:rPr lang="en-US" sz="1100" dirty="0" err="1"/>
+              <a:t>rhoncus</a:t>
+            </a:r>
+            <a:r>
+              <a:rPr lang="en-US" sz="1100" dirty="0"/>
+              <a:t> </a:t>
+            </a:r>
+            <a:r>
+              <a:rPr lang="en-US" sz="1100" dirty="0" err="1"/>
+              <a:t>nibh</a:t>
+            </a:r>
+            <a:r>
+              <a:rPr lang="en-US" sz="1100" dirty="0"/>
+              <a:t> gravida </a:t>
+            </a:r>
+            <a:r>
+              <a:rPr lang="en-US" sz="1100" dirty="0" err="1"/>
+              <a:t>nec</a:t>
+            </a:r>
+            <a:r>
+              <a:rPr lang="en-US" sz="1100" dirty="0"/>
+              <a:t>. Ut id </a:t>
+            </a:r>
+            <a:r>
+              <a:rPr lang="en-US" sz="1100" dirty="0" err="1"/>
+              <a:t>mattis</a:t>
+            </a:r>
+            <a:r>
+              <a:rPr lang="en-US" sz="1100" dirty="0"/>
+              <a:t> diam. Vestibulum </a:t>
+            </a:r>
+            <a:r>
+              <a:rPr lang="en-US" sz="1100" dirty="0" err="1"/>
+              <a:t>placerat</a:t>
+            </a:r>
+            <a:r>
+              <a:rPr lang="en-US" sz="1100" dirty="0"/>
+              <a:t> </a:t>
+            </a:r>
+            <a:r>
+              <a:rPr lang="en-US" sz="1100" dirty="0" err="1"/>
+              <a:t>justo</a:t>
+            </a:r>
+            <a:r>
+              <a:rPr lang="en-US" sz="1100" dirty="0"/>
+              <a:t> </a:t>
+            </a:r>
+            <a:r>
+              <a:rPr lang="en-US" sz="1100" dirty="0" err="1"/>
+              <a:t>orci</a:t>
+            </a:r>
+            <a:r>
+              <a:rPr lang="en-US" sz="1100" dirty="0"/>
+              <a:t>, </a:t>
+            </a:r>
+            <a:r>
+              <a:rPr lang="en-US" sz="1100" dirty="0" err="1"/>
+              <a:t>eu</a:t>
+            </a:r>
+            <a:r>
+              <a:rPr lang="en-US" sz="1100" dirty="0"/>
+              <a:t> </a:t>
+            </a:r>
+            <a:r>
+              <a:rPr lang="en-US" sz="1100" dirty="0" err="1"/>
+              <a:t>blandit</a:t>
+            </a:r>
+            <a:r>
+              <a:rPr lang="en-US" sz="1100" dirty="0"/>
+              <a:t> dui gravida </a:t>
+            </a:r>
+            <a:r>
+              <a:rPr lang="en-US" sz="1100" dirty="0" err="1"/>
+              <a:t>eget</a:t>
+            </a:r>
+            <a:r>
+              <a:rPr lang="en-US" sz="1100" dirty="0"/>
+              <a:t>. Aenean dui </a:t>
+            </a:r>
+            <a:r>
+              <a:rPr lang="en-US" sz="1100" dirty="0" err="1"/>
+              <a:t>augue</a:t>
+            </a:r>
+            <a:r>
+              <a:rPr lang="en-US" sz="1100" dirty="0"/>
+              <a:t>, </a:t>
+            </a:r>
+            <a:r>
+              <a:rPr lang="en-US" sz="1100" dirty="0" err="1"/>
+              <a:t>consequat</a:t>
+            </a:r>
+            <a:r>
+              <a:rPr lang="en-US" sz="1100" dirty="0"/>
+              <a:t> at </a:t>
+            </a:r>
+            <a:r>
+              <a:rPr lang="en-US" sz="1100" dirty="0" err="1"/>
+              <a:t>nunc</a:t>
+            </a:r>
+            <a:r>
+              <a:rPr lang="en-US" sz="1100" dirty="0"/>
+              <a:t> </a:t>
+            </a:r>
+            <a:r>
+              <a:rPr lang="en-US" sz="1100" dirty="0" err="1"/>
+              <a:t>volutpat</a:t>
+            </a:r>
+            <a:r>
+              <a:rPr lang="en-US" sz="1100" dirty="0"/>
+              <a:t>, </a:t>
+            </a:r>
+            <a:r>
+              <a:rPr lang="en-US" sz="1100" dirty="0" err="1"/>
+              <a:t>blandit</a:t>
+            </a:r>
+            <a:r>
+              <a:rPr lang="en-US" sz="1100" dirty="0"/>
+              <a:t> </a:t>
+            </a:r>
+            <a:r>
+              <a:rPr lang="en-US" sz="1100" dirty="0" err="1"/>
+              <a:t>eleifend</a:t>
+            </a:r>
+            <a:r>
+              <a:rPr lang="en-US" sz="1100" dirty="0"/>
+              <a:t> eros. Donec id </a:t>
+            </a:r>
+            <a:r>
+              <a:rPr lang="en-US" sz="1100" dirty="0" err="1"/>
+              <a:t>hendrerit</a:t>
+            </a:r>
+            <a:r>
+              <a:rPr lang="en-US" sz="1100" dirty="0"/>
+              <a:t> magna, non </a:t>
+            </a:r>
+            <a:r>
+              <a:rPr lang="en-US" sz="1100" dirty="0" err="1"/>
+              <a:t>ullamcorper</a:t>
+            </a:r>
+            <a:r>
+              <a:rPr lang="en-US" sz="1100" dirty="0"/>
+              <a:t> </a:t>
+            </a:r>
+            <a:r>
+              <a:rPr lang="en-US" sz="1100" dirty="0" err="1"/>
+              <a:t>tellus</a:t>
+            </a:r>
+            <a:r>
+              <a:rPr lang="en-US" sz="1100" dirty="0"/>
+              <a:t>. Donec </a:t>
+            </a:r>
+            <a:r>
+              <a:rPr lang="en-US" sz="1100" dirty="0" err="1"/>
+              <a:t>scelerisque</a:t>
+            </a:r>
+            <a:r>
+              <a:rPr lang="en-US" sz="1100" dirty="0"/>
+              <a:t> </a:t>
+            </a:r>
+            <a:r>
+              <a:rPr lang="en-US" sz="1100" dirty="0" err="1"/>
+              <a:t>placerat</a:t>
+            </a:r>
+            <a:r>
+              <a:rPr lang="en-US" sz="1100" dirty="0"/>
+              <a:t> </a:t>
+            </a:r>
+            <a:r>
+              <a:rPr lang="en-US" sz="1100" dirty="0" err="1"/>
+              <a:t>neque</a:t>
+            </a:r>
+            <a:r>
+              <a:rPr lang="en-US" sz="1100" dirty="0"/>
+              <a:t>, non </a:t>
+            </a:r>
+            <a:r>
+              <a:rPr lang="en-US" sz="1100" dirty="0" err="1"/>
+              <a:t>dapibus</a:t>
+            </a:r>
+            <a:r>
+              <a:rPr lang="en-US" sz="1100" dirty="0"/>
+              <a:t> dui </a:t>
+            </a:r>
+            <a:r>
+              <a:rPr lang="en-US" sz="1100" dirty="0" err="1"/>
+              <a:t>luctus</a:t>
+            </a:r>
+            <a:r>
+              <a:rPr lang="en-US" sz="1100" dirty="0"/>
+              <a:t> vel. </a:t>
+            </a:r>
+            <a:r>
+              <a:rPr lang="en-US" sz="1100" dirty="0" err="1"/>
+              <a:t>Suspendisse</a:t>
+            </a:r>
+            <a:r>
+              <a:rPr lang="en-US" sz="1100" dirty="0"/>
+              <a:t> tempus </a:t>
+            </a:r>
+            <a:r>
+              <a:rPr lang="en-US" sz="1100" dirty="0" err="1"/>
+              <a:t>consectetur</a:t>
+            </a:r>
+            <a:r>
+              <a:rPr lang="en-US" sz="1100" dirty="0"/>
+              <a:t> lorem id </a:t>
+            </a:r>
+            <a:r>
+              <a:rPr lang="en-US" sz="1100" dirty="0" err="1"/>
+              <a:t>tincidunt</a:t>
+            </a:r>
+            <a:r>
+              <a:rPr lang="en-US" sz="1100" dirty="0"/>
+              <a:t>. Vestibulum </a:t>
+            </a:r>
+            <a:r>
+              <a:rPr lang="en-US" sz="1100" dirty="0" err="1"/>
+              <a:t>tincidunt</a:t>
+            </a:r>
+            <a:r>
+              <a:rPr lang="en-US" sz="1100" dirty="0"/>
+              <a:t> </a:t>
+            </a:r>
+            <a:r>
+              <a:rPr lang="en-US" sz="1100" dirty="0" err="1"/>
+              <a:t>odio</a:t>
+            </a:r>
+            <a:r>
+              <a:rPr lang="en-US" sz="1100" dirty="0"/>
+              <a:t> </a:t>
+            </a:r>
+            <a:r>
+              <a:rPr lang="en-US" sz="1100" dirty="0" err="1"/>
+              <a:t>turpis</a:t>
+            </a:r>
+            <a:r>
+              <a:rPr lang="en-US" sz="1100" dirty="0"/>
+              <a:t>, </a:t>
+            </a:r>
+            <a:r>
+              <a:rPr lang="en-US" sz="1100" dirty="0" err="1"/>
+              <a:t>ut</a:t>
+            </a:r>
+            <a:r>
+              <a:rPr lang="en-US" sz="1100" dirty="0"/>
+              <a:t> </a:t>
+            </a:r>
+            <a:r>
+              <a:rPr lang="en-US" sz="1100" dirty="0" err="1"/>
+              <a:t>mattis</a:t>
+            </a:r>
+            <a:r>
+              <a:rPr lang="en-US" sz="1100" dirty="0"/>
+              <a:t> </a:t>
+            </a:r>
+            <a:r>
+              <a:rPr lang="en-US" sz="1100" dirty="0" err="1"/>
+              <a:t>sapien</a:t>
+            </a:r>
+            <a:r>
+              <a:rPr lang="en-US" sz="1100" dirty="0"/>
+              <a:t> </a:t>
+            </a:r>
+            <a:r>
+              <a:rPr lang="en-US" sz="1100" dirty="0" err="1"/>
+              <a:t>pellentesque</a:t>
+            </a:r>
+            <a:r>
+              <a:rPr lang="en-US" sz="1100" dirty="0"/>
+              <a:t> vel. Nunc </a:t>
+            </a:r>
+            <a:r>
+              <a:rPr lang="en-US" sz="1100" dirty="0" err="1"/>
+              <a:t>ultrices</a:t>
+            </a:r>
+            <a:r>
+              <a:rPr lang="en-US" sz="1100" dirty="0"/>
+              <a:t> </a:t>
+            </a:r>
+            <a:r>
+              <a:rPr lang="en-US" sz="1100" dirty="0" err="1"/>
+              <a:t>hendrerit</a:t>
+            </a:r>
+            <a:r>
+              <a:rPr lang="en-US" sz="1100" dirty="0"/>
+              <a:t> </a:t>
+            </a:r>
+            <a:r>
+              <a:rPr lang="en-US" sz="1100" dirty="0" err="1"/>
+              <a:t>dapibus</a:t>
+            </a:r>
+            <a:r>
+              <a:rPr lang="en-US" sz="1100" dirty="0"/>
+              <a:t>. Aenean </a:t>
+            </a:r>
+            <a:r>
+              <a:rPr lang="en-US" sz="1100" dirty="0" err="1"/>
+              <a:t>interdum</a:t>
+            </a:r>
+            <a:r>
+              <a:rPr lang="en-US" sz="1100" dirty="0"/>
+              <a:t> ex </a:t>
+            </a:r>
+            <a:r>
+              <a:rPr lang="en-US" sz="1100" dirty="0" err="1"/>
+              <a:t>interdum</a:t>
+            </a:r>
+            <a:r>
+              <a:rPr lang="en-US" sz="1100" dirty="0"/>
+              <a:t>, </a:t>
+            </a:r>
+            <a:r>
+              <a:rPr lang="en-US" sz="1100" dirty="0" err="1"/>
+              <a:t>rhoncus</a:t>
+            </a:r>
+            <a:r>
+              <a:rPr lang="en-US" sz="1100" dirty="0"/>
+              <a:t> magna id, </a:t>
+            </a:r>
+            <a:r>
+              <a:rPr lang="en-US" sz="1100" dirty="0" err="1"/>
+              <a:t>venenatis</a:t>
+            </a:r>
+            <a:r>
+              <a:rPr lang="en-US" sz="1100" dirty="0"/>
+              <a:t> </a:t>
+            </a:r>
+            <a:r>
+              <a:rPr lang="en-US" sz="1100" dirty="0" err="1"/>
+              <a:t>risus</a:t>
+            </a:r>
+            <a:r>
+              <a:rPr lang="en-US" sz="1100" dirty="0"/>
+              <a:t>. </a:t>
+            </a:r>
+            <a:endParaRPr lang="en-BR" sz="1100" dirty="0">
+              <a:latin typeface="Helvetica Neue Light" panose="02000403000000020004" pitchFamily="2" charset="0"/>
+              <a:ea typeface="Helvetica Neue Light" panose="02000403000000020004" pitchFamily="2" charset="0"/>
+            </a:endParaRPr>
+          </a:p>
+        </p:txBody>
+      </p:sp>
+      <p:sp>
+        <p:nvSpPr>
+          <p:cNvPr id="2" name="TextBox 1">
+            <a:extLst>
+              <a:ext uri="{FF2B5EF4-FFF2-40B4-BE49-F238E27FC236}">
+                <a16:creationId xmlns:a16="http://schemas.microsoft.com/office/drawing/2014/main" id="{15847853-CEB3-BCD0-96C3-E9B45B0B6533}"/>
+              </a:ext>
+            </a:extLst>
+          </p:cNvPr>
+          <p:cNvSpPr txBox="1"/>
+          <p:nvPr/>
+        </p:nvSpPr>
+        <p:spPr>
+          <a:xfrm>
+            <a:off x="351066" y="4497484"/>
+            <a:ext cx="3517587" cy="276999"/>
+          </a:xfrm>
+          <a:prstGeom prst="rect">
+            <a:avLst/>
+          </a:prstGeom>
+          <a:noFill/>
+        </p:spPr>
+        <p:txBody>
+          <a:bodyPr wrap="square" rtlCol="0">
+            <a:spAutoFit/>
+          </a:bodyPr>
+          <a:lstStyle/>
+          <a:p>
+            <a:r>
+              <a:rPr lang="en-BR" sz="1200" b="1" dirty="0">
+                <a:latin typeface="Helvetica Neue" panose="02000503000000020004" pitchFamily="2" charset="0"/>
+                <a:ea typeface="Helvetica Neue" panose="02000503000000020004" pitchFamily="2" charset="0"/>
+                <a:cs typeface="Helvetica Neue" panose="02000503000000020004" pitchFamily="2" charset="0"/>
               </a:rPr>
-              <a:t>- The company is at a </a:t>
+              <a:t>KEY INSIGHTS</a:t>
+            </a:r>
+            <a:endParaRPr lang="en-BR" b="1" dirty="0">
+              <a:latin typeface="Helvetica Neue" panose="02000503000000020004" pitchFamily="2" charset="0"/>
+              <a:ea typeface="Helvetica Neue" panose="02000503000000020004" pitchFamily="2" charset="0"/>
+              <a:cs typeface="Helvetica Neue" panose="02000503000000020004" pitchFamily="2" charset="0"/>
+            </a:endParaRPr>
+          </a:p>
+        </p:txBody>
+      </p:sp>
+      <p:sp>
+        <p:nvSpPr>
+          <p:cNvPr id="3" name="TextBox 2">
+            <a:extLst>
+              <a:ext uri="{FF2B5EF4-FFF2-40B4-BE49-F238E27FC236}">
+                <a16:creationId xmlns:a16="http://schemas.microsoft.com/office/drawing/2014/main" id="{DD07347C-C0FC-939D-A327-91B38C5FA259}"/>
+              </a:ext>
+            </a:extLst>
+          </p:cNvPr>
+          <p:cNvSpPr txBox="1"/>
+          <p:nvPr/>
+        </p:nvSpPr>
+        <p:spPr>
+          <a:xfrm>
+            <a:off x="351065" y="4799722"/>
+            <a:ext cx="6155871" cy="3308598"/>
+          </a:xfrm>
+          <a:prstGeom prst="rect">
+            <a:avLst/>
+          </a:prstGeom>
+          <a:noFill/>
+        </p:spPr>
+        <p:txBody>
+          <a:bodyPr wrap="square" rtlCol="0">
+            <a:spAutoFit/>
+          </a:bodyPr>
+          <a:lstStyle/>
+          <a:p>
+            <a:r>
+              <a:rPr lang="en-US" sz="1100" dirty="0"/>
+              <a:t>Sed in </a:t>
+            </a:r>
+            <a:r>
+              <a:rPr lang="en-US" sz="1100" dirty="0" err="1"/>
+              <a:t>elit</a:t>
+            </a:r>
+            <a:r>
+              <a:rPr lang="en-US" sz="1100" dirty="0"/>
+              <a:t> </a:t>
+            </a:r>
+            <a:r>
+              <a:rPr lang="en-US" sz="1100" dirty="0" err="1"/>
+              <a:t>eget</a:t>
+            </a:r>
+            <a:r>
+              <a:rPr lang="en-US" sz="1100" dirty="0"/>
+              <a:t> libero semper </a:t>
+            </a:r>
+            <a:r>
+              <a:rPr lang="en-US" sz="1100" dirty="0" err="1"/>
+              <a:t>placerat</a:t>
+            </a:r>
+            <a:r>
+              <a:rPr lang="en-US" sz="1100" dirty="0"/>
+              <a:t> </a:t>
+            </a:r>
+            <a:r>
+              <a:rPr lang="en-US" sz="1100" dirty="0" err="1"/>
+              <a:t>quis</a:t>
+            </a:r>
+            <a:r>
+              <a:rPr lang="en-US" sz="1100" dirty="0"/>
+              <a:t> </a:t>
+            </a:r>
+            <a:r>
+              <a:rPr lang="en-US" sz="1100" dirty="0" err="1"/>
+              <a:t>quis</a:t>
+            </a:r>
+            <a:r>
+              <a:rPr lang="en-US" sz="1100" dirty="0"/>
+              <a:t> </a:t>
+            </a:r>
+            <a:r>
+              <a:rPr lang="en-US" sz="1100" dirty="0" err="1"/>
+              <a:t>nisl</a:t>
+            </a:r>
+            <a:r>
+              <a:rPr lang="en-US" sz="1100" dirty="0"/>
+              <a:t>. </a:t>
+            </a:r>
+            <a:r>
+              <a:rPr lang="en-US" sz="1100" dirty="0" err="1"/>
+              <a:t>Mauris</a:t>
+            </a:r>
+            <a:r>
+              <a:rPr lang="en-US" sz="1100" dirty="0"/>
+              <a:t> ac </a:t>
+            </a:r>
+            <a:r>
+              <a:rPr lang="en-US" sz="1100" dirty="0" err="1"/>
+              <a:t>odio</a:t>
+            </a:r>
+            <a:r>
+              <a:rPr lang="en-US" sz="1100" dirty="0"/>
+              <a:t> </a:t>
+            </a:r>
+            <a:r>
+              <a:rPr lang="en-US" sz="1100" dirty="0" err="1"/>
+              <a:t>nec</a:t>
+            </a:r>
+            <a:r>
+              <a:rPr lang="en-US" sz="1100" dirty="0"/>
+              <a:t> </a:t>
+            </a:r>
+            <a:r>
+              <a:rPr lang="en-US" sz="1100" dirty="0" err="1"/>
+              <a:t>quam</a:t>
+            </a:r>
+            <a:r>
+              <a:rPr lang="en-US" sz="1100" dirty="0"/>
+              <a:t> </a:t>
+            </a:r>
+            <a:r>
+              <a:rPr lang="en-US" sz="1100" dirty="0" err="1"/>
+              <a:t>dapibus</a:t>
+            </a:r>
+            <a:r>
+              <a:rPr lang="en-US" sz="1100" dirty="0"/>
+              <a:t> </a:t>
+            </a:r>
+            <a:r>
+              <a:rPr lang="en-US" sz="1100" dirty="0" err="1"/>
+              <a:t>tempor</a:t>
+            </a:r>
+            <a:r>
+              <a:rPr lang="en-US" sz="1100" dirty="0"/>
+              <a:t>. Vestibulum </a:t>
+            </a:r>
+            <a:r>
+              <a:rPr lang="en-US" sz="1100" dirty="0" err="1"/>
+              <a:t>ut</a:t>
+            </a:r>
+            <a:r>
+              <a:rPr lang="en-US" sz="1100" dirty="0"/>
+              <a:t> </a:t>
+            </a:r>
+            <a:r>
+              <a:rPr lang="en-US" sz="1100" dirty="0" err="1"/>
+              <a:t>tellus</a:t>
+            </a:r>
+            <a:r>
+              <a:rPr lang="en-US" sz="1100" dirty="0"/>
+              <a:t> </a:t>
+            </a:r>
+            <a:r>
+              <a:rPr lang="en-US" sz="1100" dirty="0" err="1"/>
+              <a:t>ut</a:t>
+            </a:r>
+            <a:r>
+              <a:rPr lang="en-US" sz="1100" dirty="0"/>
+              <a:t> magna </a:t>
+            </a:r>
+            <a:r>
+              <a:rPr lang="en-US" sz="1100" dirty="0" err="1"/>
+              <a:t>molestie</a:t>
+            </a:r>
+            <a:r>
+              <a:rPr lang="en-US" sz="1100" dirty="0"/>
+              <a:t> </a:t>
+            </a:r>
+            <a:r>
+              <a:rPr lang="en-US" sz="1100" dirty="0" err="1"/>
+              <a:t>finibus</a:t>
+            </a:r>
+            <a:r>
+              <a:rPr lang="en-US" sz="1100" dirty="0"/>
+              <a:t>. Maecenas </a:t>
+            </a:r>
+            <a:r>
+              <a:rPr lang="en-US" sz="1100" dirty="0" err="1"/>
+              <a:t>feugiat</a:t>
+            </a:r>
+            <a:r>
+              <a:rPr lang="en-US" sz="1100" dirty="0"/>
+              <a:t>, </a:t>
+            </a:r>
+            <a:r>
+              <a:rPr lang="en-US" sz="1100" dirty="0" err="1"/>
+              <a:t>nisl</a:t>
+            </a:r>
+            <a:r>
+              <a:rPr lang="en-US" sz="1100" dirty="0"/>
+              <a:t> </a:t>
+            </a:r>
+            <a:r>
+              <a:rPr lang="en-US" sz="1100" dirty="0" err="1"/>
+              <a:t>eget</a:t>
+            </a:r>
+            <a:r>
+              <a:rPr lang="en-US" sz="1100" dirty="0"/>
+              <a:t> fermentum </a:t>
+            </a:r>
+            <a:r>
+              <a:rPr lang="en-US" sz="1100" dirty="0" err="1"/>
+              <a:t>pretium</a:t>
+            </a:r>
+            <a:r>
+              <a:rPr lang="en-US" sz="1100" dirty="0"/>
+              <a:t>, </a:t>
+            </a:r>
+            <a:r>
+              <a:rPr lang="en-US" sz="1100" dirty="0" err="1"/>
+              <a:t>leo</a:t>
+            </a:r>
+            <a:r>
+              <a:rPr lang="en-US" sz="1100" dirty="0"/>
+              <a:t> ipsum </a:t>
+            </a:r>
+            <a:r>
+              <a:rPr lang="en-US" sz="1100" dirty="0" err="1"/>
+              <a:t>bibendum</a:t>
+            </a:r>
+            <a:r>
+              <a:rPr lang="en-US" sz="1100" dirty="0"/>
+              <a:t> </a:t>
+            </a:r>
+            <a:r>
+              <a:rPr lang="en-US" sz="1100" dirty="0" err="1"/>
+              <a:t>nulla</a:t>
+            </a:r>
+            <a:r>
+              <a:rPr lang="en-US" sz="1100" dirty="0"/>
+              <a:t>, vel </a:t>
+            </a:r>
+            <a:r>
+              <a:rPr lang="en-US" sz="1100" dirty="0" err="1"/>
+              <a:t>rhoncus</a:t>
+            </a:r>
+            <a:r>
+              <a:rPr lang="en-US" sz="1100" dirty="0"/>
+              <a:t> </a:t>
+            </a:r>
+            <a:r>
+              <a:rPr lang="en-US" sz="1100" dirty="0" err="1"/>
+              <a:t>velit</a:t>
+            </a:r>
+            <a:r>
+              <a:rPr lang="en-US" sz="1100" dirty="0"/>
+              <a:t> </a:t>
+            </a:r>
+            <a:r>
+              <a:rPr lang="en-US" sz="1100" dirty="0" err="1"/>
+              <a:t>velit</a:t>
+            </a:r>
+            <a:r>
+              <a:rPr lang="en-US" sz="1100" dirty="0"/>
+              <a:t> </a:t>
+            </a:r>
+            <a:r>
+              <a:rPr lang="en-US" sz="1100" dirty="0" err="1"/>
+              <a:t>ut</a:t>
+            </a:r>
+            <a:r>
+              <a:rPr lang="en-US" sz="1100" dirty="0"/>
+              <a:t> diam. </a:t>
+            </a:r>
+            <a:r>
+              <a:rPr lang="en-US" sz="1100" dirty="0" err="1"/>
+              <a:t>Nullam</a:t>
+            </a:r>
+            <a:r>
+              <a:rPr lang="en-US" sz="1100" dirty="0"/>
+              <a:t> </a:t>
+            </a:r>
+            <a:r>
+              <a:rPr lang="en-US" sz="1100" dirty="0" err="1"/>
+              <a:t>augue</a:t>
+            </a:r>
+            <a:r>
+              <a:rPr lang="en-US" sz="1100" dirty="0"/>
+              <a:t> </a:t>
+            </a:r>
+            <a:r>
+              <a:rPr lang="en-US" sz="1100" dirty="0" err="1"/>
+              <a:t>nisl</a:t>
+            </a:r>
+            <a:r>
+              <a:rPr lang="en-US" sz="1100" dirty="0"/>
+              <a:t>, convallis vitae mi a, </a:t>
+            </a:r>
+            <a:r>
+              <a:rPr lang="en-US" sz="1100" dirty="0" err="1"/>
+              <a:t>hendrerit</a:t>
+            </a:r>
+            <a:r>
+              <a:rPr lang="en-US" sz="1100" dirty="0"/>
+              <a:t> </a:t>
+            </a:r>
+            <a:r>
+              <a:rPr lang="en-US" sz="1100" dirty="0" err="1"/>
+              <a:t>facilisis</a:t>
+            </a:r>
+            <a:r>
+              <a:rPr lang="en-US" sz="1100" dirty="0"/>
+              <a:t> </a:t>
+            </a:r>
+            <a:r>
+              <a:rPr lang="en-US" sz="1100" dirty="0" err="1"/>
+              <a:t>quam</a:t>
+            </a:r>
+            <a:r>
+              <a:rPr lang="en-US" sz="1100" dirty="0"/>
+              <a:t>. </a:t>
+            </a:r>
+            <a:r>
+              <a:rPr lang="en-US" sz="1100" dirty="0" err="1"/>
+              <a:t>Fusce</a:t>
+            </a:r>
+            <a:r>
+              <a:rPr lang="en-US" sz="1100" dirty="0"/>
+              <a:t> </a:t>
+            </a:r>
+            <a:r>
+              <a:rPr lang="en-US" sz="1100" dirty="0" err="1"/>
+              <a:t>nulla</a:t>
+            </a:r>
+            <a:r>
+              <a:rPr lang="en-US" sz="1100" dirty="0"/>
+              <a:t> </a:t>
+            </a:r>
+            <a:r>
+              <a:rPr lang="en-US" sz="1100" dirty="0" err="1"/>
+              <a:t>lectus</a:t>
+            </a:r>
+            <a:r>
+              <a:rPr lang="en-US" sz="1100" dirty="0"/>
+              <a:t>, </a:t>
+            </a:r>
+            <a:r>
+              <a:rPr lang="en-US" sz="1100" dirty="0" err="1"/>
+              <a:t>tincidunt</a:t>
+            </a:r>
+            <a:r>
+              <a:rPr lang="en-US" sz="1100" dirty="0"/>
+              <a:t> non </a:t>
+            </a:r>
+            <a:r>
+              <a:rPr lang="en-US" sz="1100" dirty="0" err="1"/>
+              <a:t>quam</a:t>
+            </a:r>
+            <a:r>
+              <a:rPr lang="en-US" sz="1100" dirty="0"/>
+              <a:t> id, </a:t>
+            </a:r>
+            <a:r>
+              <a:rPr lang="en-US" sz="1100" dirty="0" err="1"/>
+              <a:t>rhoncus</a:t>
+            </a:r>
+            <a:r>
+              <a:rPr lang="en-US" sz="1100" dirty="0"/>
+              <a:t> pharetra </a:t>
+            </a:r>
+            <a:r>
+              <a:rPr lang="en-US" sz="1100" dirty="0" err="1"/>
+              <a:t>neque</a:t>
+            </a:r>
+            <a:r>
+              <a:rPr lang="en-US" sz="1100" dirty="0"/>
+              <a:t>. Class </a:t>
+            </a:r>
+            <a:r>
+              <a:rPr lang="en-US" sz="1100" dirty="0" err="1"/>
+              <a:t>aptent</a:t>
+            </a:r>
+            <a:r>
+              <a:rPr lang="en-US" sz="1100" dirty="0"/>
+              <a:t> </a:t>
+            </a:r>
+            <a:r>
+              <a:rPr lang="en-US" sz="1100" dirty="0" err="1"/>
+              <a:t>taciti</a:t>
+            </a:r>
+            <a:r>
+              <a:rPr lang="en-US" sz="1100" dirty="0"/>
+              <a:t> </a:t>
+            </a:r>
+            <a:r>
+              <a:rPr lang="en-US" sz="1100" dirty="0" err="1"/>
+              <a:t>sociosqu</a:t>
+            </a:r>
+            <a:r>
+              <a:rPr lang="en-US" sz="1100" dirty="0"/>
+              <a:t> ad </a:t>
+            </a:r>
+            <a:r>
+              <a:rPr lang="en-US" sz="1100" dirty="0" err="1"/>
+              <a:t>litora</a:t>
+            </a:r>
+            <a:r>
+              <a:rPr lang="en-US" sz="1100" dirty="0"/>
+              <a:t> </a:t>
+            </a:r>
+            <a:r>
+              <a:rPr lang="en-US" sz="1100" dirty="0" err="1"/>
+              <a:t>torquent</a:t>
+            </a:r>
+            <a:r>
+              <a:rPr lang="en-US" sz="1100" dirty="0"/>
+              <a:t> per </a:t>
+            </a:r>
+            <a:r>
+              <a:rPr lang="en-US" sz="1100" dirty="0" err="1"/>
+              <a:t>conubia</a:t>
+            </a:r>
+            <a:r>
+              <a:rPr lang="en-US" sz="1100" dirty="0"/>
+              <a:t> nostra, per </a:t>
+            </a:r>
+            <a:r>
+              <a:rPr lang="en-US" sz="1100" dirty="0" err="1"/>
+              <a:t>inceptos</a:t>
+            </a:r>
+            <a:r>
+              <a:rPr lang="en-US" sz="1100" dirty="0"/>
+              <a:t> </a:t>
+            </a:r>
+            <a:r>
+              <a:rPr lang="en-US" sz="1100" dirty="0" err="1"/>
+              <a:t>himenaeos</a:t>
+            </a:r>
+            <a:r>
+              <a:rPr lang="en-US" sz="1100" dirty="0"/>
+              <a:t>. Donec </a:t>
+            </a:r>
+            <a:r>
+              <a:rPr lang="en-US" sz="1100" dirty="0" err="1"/>
+              <a:t>tincidunt</a:t>
+            </a:r>
+            <a:r>
+              <a:rPr lang="en-US" sz="1100" dirty="0"/>
+              <a:t> </a:t>
+            </a:r>
+            <a:r>
+              <a:rPr lang="en-US" sz="1100" dirty="0" err="1"/>
+              <a:t>malesuada</a:t>
+            </a:r>
+            <a:r>
+              <a:rPr lang="en-US" sz="1100" dirty="0"/>
+              <a:t> </a:t>
+            </a:r>
+            <a:r>
+              <a:rPr lang="en-US" sz="1100" dirty="0" err="1"/>
+              <a:t>augue</a:t>
+            </a:r>
+            <a:r>
+              <a:rPr lang="en-US" sz="1100" dirty="0"/>
+              <a:t> </a:t>
+            </a:r>
+            <a:r>
+              <a:rPr lang="en-US" sz="1100" dirty="0" err="1"/>
+              <a:t>euismod</a:t>
+            </a:r>
+            <a:r>
+              <a:rPr lang="en-US" sz="1100" dirty="0"/>
+              <a:t> </a:t>
+            </a:r>
+            <a:r>
+              <a:rPr lang="en-US" sz="1100" dirty="0" err="1"/>
+              <a:t>rhoncus</a:t>
+            </a:r>
+            <a:r>
+              <a:rPr lang="en-US" sz="1100" dirty="0"/>
+              <a:t>. Cras </a:t>
+            </a:r>
+            <a:r>
+              <a:rPr lang="en-US" sz="1100" dirty="0" err="1"/>
+              <a:t>ultricies</a:t>
+            </a:r>
+            <a:r>
+              <a:rPr lang="en-US" sz="1100" dirty="0"/>
+              <a:t> </a:t>
+            </a:r>
+            <a:r>
+              <a:rPr lang="en-US" sz="1100" dirty="0" err="1"/>
+              <a:t>venenatis</a:t>
+            </a:r>
+            <a:r>
+              <a:rPr lang="en-US" sz="1100" dirty="0"/>
+              <a:t> </a:t>
+            </a:r>
+            <a:r>
+              <a:rPr lang="en-US" sz="1100" dirty="0" err="1"/>
+              <a:t>odio</a:t>
+            </a:r>
+            <a:r>
+              <a:rPr lang="en-US" sz="1100" dirty="0"/>
+              <a:t> </a:t>
+            </a:r>
+            <a:r>
+              <a:rPr lang="en-US" sz="1100" dirty="0" err="1"/>
+              <a:t>eget</a:t>
+            </a:r>
+            <a:r>
+              <a:rPr lang="en-US" sz="1100" dirty="0"/>
+              <a:t> </a:t>
+            </a:r>
+            <a:r>
+              <a:rPr lang="en-US" sz="1100" dirty="0" err="1"/>
+              <a:t>iaculis</a:t>
+            </a:r>
+            <a:r>
+              <a:rPr lang="en-US" sz="1100" dirty="0"/>
+              <a:t>. </a:t>
+            </a:r>
+            <a:r>
+              <a:rPr lang="en-US" sz="1100" dirty="0" err="1"/>
+              <a:t>Phasellus</a:t>
+            </a:r>
+            <a:r>
+              <a:rPr lang="en-US" sz="1100" dirty="0"/>
+              <a:t> </a:t>
+            </a:r>
+            <a:r>
+              <a:rPr lang="en-US" sz="1100" dirty="0" err="1"/>
+              <a:t>quis</a:t>
+            </a:r>
+            <a:r>
+              <a:rPr lang="en-US" sz="1100" dirty="0"/>
+              <a:t> </a:t>
+            </a:r>
+            <a:r>
+              <a:rPr lang="en-US" sz="1100" dirty="0" err="1"/>
+              <a:t>aliquet</a:t>
+            </a:r>
+            <a:r>
+              <a:rPr lang="en-US" sz="1100" dirty="0"/>
+              <a:t> dui, vel </a:t>
+            </a:r>
+            <a:r>
+              <a:rPr lang="en-US" sz="1100" dirty="0" err="1"/>
+              <a:t>rutrum</a:t>
+            </a:r>
+            <a:r>
+              <a:rPr lang="en-US" sz="1100" dirty="0"/>
+              <a:t> est. Sed </a:t>
+            </a:r>
+            <a:r>
+              <a:rPr lang="en-US" sz="1100" dirty="0" err="1"/>
+              <a:t>ut</a:t>
+            </a:r>
+            <a:r>
+              <a:rPr lang="en-US" sz="1100" dirty="0"/>
+              <a:t> dolor </a:t>
+            </a:r>
+            <a:r>
+              <a:rPr lang="en-US" sz="1100" dirty="0" err="1"/>
+              <a:t>ultrices</a:t>
+            </a:r>
+            <a:r>
+              <a:rPr lang="en-US" sz="1100" dirty="0"/>
+              <a:t>, </a:t>
+            </a:r>
+            <a:r>
+              <a:rPr lang="en-US" sz="1100" dirty="0" err="1"/>
+              <a:t>facilisis</a:t>
+            </a:r>
+            <a:r>
+              <a:rPr lang="en-US" sz="1100" dirty="0"/>
+              <a:t> </a:t>
+            </a:r>
+            <a:r>
+              <a:rPr lang="en-US" sz="1100" dirty="0" err="1"/>
+              <a:t>tortor</a:t>
+            </a:r>
+            <a:r>
+              <a:rPr lang="en-US" sz="1100" dirty="0"/>
+              <a:t> sed, </a:t>
+            </a:r>
+            <a:r>
+              <a:rPr lang="en-US" sz="1100" dirty="0" err="1"/>
+              <a:t>ullamcorper</a:t>
+            </a:r>
+            <a:r>
+              <a:rPr lang="en-US" sz="1100" dirty="0"/>
+              <a:t> ante. Ut </a:t>
+            </a:r>
+            <a:r>
+              <a:rPr lang="en-US" sz="1100" dirty="0" err="1"/>
+              <a:t>nec</a:t>
+            </a:r>
+            <a:r>
+              <a:rPr lang="en-US" sz="1100" dirty="0"/>
+              <a:t> </a:t>
+            </a:r>
+            <a:r>
+              <a:rPr lang="en-US" sz="1100" dirty="0" err="1"/>
+              <a:t>viverra</a:t>
+            </a:r>
+            <a:r>
+              <a:rPr lang="en-US" sz="1100" dirty="0"/>
+              <a:t> </a:t>
+            </a:r>
+            <a:r>
+              <a:rPr lang="en-US" sz="1100" dirty="0" err="1"/>
+              <a:t>orci</a:t>
+            </a:r>
+            <a:r>
+              <a:rPr lang="en-US" sz="1100" dirty="0"/>
+              <a:t>. </a:t>
+            </a:r>
+            <a:r>
+              <a:rPr lang="en-US" sz="1100" dirty="0" err="1"/>
+              <a:t>Phasellus</a:t>
+            </a:r>
+            <a:r>
+              <a:rPr lang="en-US" sz="1100" dirty="0"/>
+              <a:t> maximus </a:t>
+            </a:r>
+            <a:r>
+              <a:rPr lang="en-US" sz="1100" dirty="0" err="1"/>
+              <a:t>scelerisque</a:t>
+            </a:r>
+            <a:r>
+              <a:rPr lang="en-US" sz="1100" dirty="0"/>
+              <a:t> </a:t>
+            </a:r>
+            <a:r>
+              <a:rPr lang="en-US" sz="1100" dirty="0" err="1"/>
+              <a:t>velit</a:t>
+            </a:r>
+            <a:r>
+              <a:rPr lang="en-US" sz="1100" dirty="0"/>
+              <a:t>, </a:t>
+            </a:r>
+            <a:r>
+              <a:rPr lang="en-US" sz="1100" dirty="0" err="1"/>
+              <a:t>ut</a:t>
+            </a:r>
+            <a:r>
+              <a:rPr lang="en-US" sz="1100" dirty="0"/>
+              <a:t> </a:t>
+            </a:r>
+            <a:r>
+              <a:rPr lang="en-US" sz="1100" dirty="0" err="1"/>
+              <a:t>blandit</a:t>
+            </a:r>
+            <a:r>
+              <a:rPr lang="en-US" sz="1100" dirty="0"/>
+              <a:t> </a:t>
+            </a:r>
+            <a:r>
+              <a:rPr lang="en-US" sz="1100" dirty="0" err="1"/>
+              <a:t>urna</a:t>
+            </a:r>
+            <a:r>
+              <a:rPr lang="en-US" sz="1100" dirty="0"/>
+              <a:t>. Aenean sed ante id libero </a:t>
+            </a:r>
+            <a:r>
+              <a:rPr lang="en-US" sz="1100" dirty="0" err="1"/>
+              <a:t>varius</a:t>
+            </a:r>
+            <a:r>
+              <a:rPr lang="en-US" sz="1100" dirty="0"/>
+              <a:t> </a:t>
+            </a:r>
+            <a:r>
+              <a:rPr lang="en-US" sz="1100" dirty="0" err="1"/>
+              <a:t>feugiat</a:t>
+            </a:r>
+            <a:r>
+              <a:rPr lang="en-US" sz="1100" dirty="0"/>
+              <a:t>. </a:t>
+            </a:r>
+            <a:r>
+              <a:rPr lang="en-US" sz="1100" dirty="0" err="1"/>
+              <a:t>Nulla</a:t>
+            </a:r>
+            <a:r>
+              <a:rPr lang="en-US" sz="1100" dirty="0"/>
+              <a:t> in </a:t>
+            </a:r>
+            <a:r>
+              <a:rPr lang="en-US" sz="1100" dirty="0" err="1"/>
+              <a:t>tempor</a:t>
+            </a:r>
+            <a:r>
+              <a:rPr lang="en-US" sz="1100" dirty="0"/>
+              <a:t> </a:t>
+            </a:r>
+            <a:r>
+              <a:rPr lang="en-US" sz="1100" dirty="0" err="1"/>
+              <a:t>neque</a:t>
+            </a:r>
+            <a:r>
+              <a:rPr lang="en-US" sz="1100" dirty="0"/>
+              <a:t>. Donec </a:t>
+            </a:r>
+            <a:r>
+              <a:rPr lang="en-US" sz="1100" dirty="0" err="1"/>
+              <a:t>quis</a:t>
+            </a:r>
+            <a:r>
+              <a:rPr lang="en-US" sz="1100" dirty="0"/>
+              <a:t> </a:t>
+            </a:r>
+            <a:r>
+              <a:rPr lang="en-US" sz="1100" dirty="0" err="1"/>
+              <a:t>ultrices</a:t>
+            </a:r>
+            <a:r>
+              <a:rPr lang="en-US" sz="1100" dirty="0"/>
+              <a:t> sem. </a:t>
+            </a:r>
+          </a:p>
+          <a:p>
+            <a:endParaRPr lang="en-US" sz="1100" dirty="0"/>
+          </a:p>
+          <a:p>
+            <a:r>
+              <a:rPr lang="en-US" sz="1100" dirty="0" err="1"/>
+              <a:t>Vivamus</a:t>
+            </a:r>
+            <a:r>
+              <a:rPr lang="en-US" sz="1100" dirty="0"/>
+              <a:t> </a:t>
+            </a:r>
+            <a:r>
+              <a:rPr lang="en-US" sz="1100" dirty="0" err="1"/>
+              <a:t>bibendum</a:t>
+            </a:r>
+            <a:r>
+              <a:rPr lang="en-US" sz="1100" dirty="0"/>
+              <a:t> </a:t>
+            </a:r>
+            <a:r>
+              <a:rPr lang="en-US" sz="1100" dirty="0" err="1"/>
+              <a:t>aliquet</a:t>
+            </a:r>
+            <a:r>
+              <a:rPr lang="en-US" sz="1100" dirty="0"/>
+              <a:t> nisi ac </a:t>
+            </a:r>
+            <a:r>
+              <a:rPr lang="en-US" sz="1100" dirty="0" err="1"/>
+              <a:t>accumsan</a:t>
+            </a:r>
+            <a:r>
+              <a:rPr lang="en-US" sz="1100" dirty="0"/>
+              <a:t>. Cras gravida </a:t>
+            </a:r>
+            <a:r>
+              <a:rPr lang="en-US" sz="1100" dirty="0" err="1"/>
+              <a:t>arcu</a:t>
+            </a:r>
+            <a:r>
+              <a:rPr lang="en-US" sz="1100" dirty="0"/>
+              <a:t> sit </a:t>
+            </a:r>
+            <a:r>
+              <a:rPr lang="en-US" sz="1100" dirty="0" err="1"/>
+              <a:t>amet</a:t>
+            </a:r>
+            <a:r>
+              <a:rPr lang="en-US" sz="1100" dirty="0"/>
+              <a:t> </a:t>
+            </a:r>
+            <a:r>
+              <a:rPr lang="en-US" sz="1100" dirty="0" err="1"/>
+              <a:t>ornare</a:t>
+            </a:r>
+            <a:r>
+              <a:rPr lang="en-US" sz="1100" dirty="0"/>
+              <a:t> </a:t>
+            </a:r>
+            <a:r>
+              <a:rPr lang="en-US" sz="1100" dirty="0" err="1"/>
+              <a:t>aliquet</a:t>
+            </a:r>
+            <a:r>
+              <a:rPr lang="en-US" sz="1100" dirty="0"/>
+              <a:t>. Integer </a:t>
+            </a:r>
+            <a:r>
+              <a:rPr lang="en-US" sz="1100" dirty="0" err="1"/>
+              <a:t>feugiat</a:t>
+            </a:r>
+            <a:r>
+              <a:rPr lang="en-US" sz="1100" dirty="0"/>
+              <a:t> </a:t>
+            </a:r>
+            <a:r>
+              <a:rPr lang="en-US" sz="1100" dirty="0" err="1"/>
+              <a:t>neque</a:t>
+            </a:r>
+            <a:r>
+              <a:rPr lang="en-US" sz="1100" dirty="0"/>
+              <a:t> libero, at </a:t>
+            </a:r>
+            <a:r>
+              <a:rPr lang="en-US" sz="1100" dirty="0" err="1"/>
+              <a:t>placerat</a:t>
+            </a:r>
+            <a:r>
+              <a:rPr lang="en-US" sz="1100" dirty="0"/>
+              <a:t> </a:t>
+            </a:r>
+            <a:r>
+              <a:rPr lang="en-US" sz="1100" dirty="0" err="1"/>
+              <a:t>lacus</a:t>
+            </a:r>
+            <a:r>
+              <a:rPr lang="en-US" sz="1100" dirty="0"/>
+              <a:t> </a:t>
+            </a:r>
+            <a:r>
+              <a:rPr lang="en-US" sz="1100" dirty="0" err="1"/>
+              <a:t>luctus</a:t>
+            </a:r>
+            <a:r>
+              <a:rPr lang="en-US" sz="1100" dirty="0"/>
+              <a:t> </a:t>
+            </a:r>
+            <a:r>
+              <a:rPr lang="en-US" sz="1100" dirty="0" err="1"/>
+              <a:t>nec</a:t>
+            </a:r>
+            <a:r>
+              <a:rPr lang="en-US" sz="1100" dirty="0"/>
+              <a:t>. </a:t>
+            </a:r>
+            <a:r>
+              <a:rPr lang="en-US" sz="1100" dirty="0" err="1"/>
+              <a:t>Praesent</a:t>
+            </a:r>
+            <a:r>
+              <a:rPr lang="en-US" sz="1100" dirty="0"/>
+              <a:t> auctor </a:t>
+            </a:r>
+            <a:r>
+              <a:rPr lang="en-US" sz="1100" dirty="0" err="1"/>
+              <a:t>enim</a:t>
+            </a:r>
+            <a:r>
+              <a:rPr lang="en-US" sz="1100" dirty="0"/>
+              <a:t> vel eros vestibulum porta. Nam dictum </a:t>
+            </a:r>
+            <a:r>
+              <a:rPr lang="en-US" sz="1100" dirty="0" err="1"/>
+              <a:t>enim</a:t>
+            </a:r>
+            <a:r>
+              <a:rPr lang="en-US" sz="1100" dirty="0"/>
+              <a:t> id </a:t>
+            </a:r>
+            <a:r>
+              <a:rPr lang="en-US" sz="1100" dirty="0" err="1"/>
+              <a:t>metus</a:t>
+            </a:r>
+            <a:r>
+              <a:rPr lang="en-US" sz="1100" dirty="0"/>
+              <a:t> </a:t>
+            </a:r>
+            <a:r>
+              <a:rPr lang="en-US" sz="1100" dirty="0" err="1"/>
+              <a:t>placerat</a:t>
+            </a:r>
+            <a:r>
+              <a:rPr lang="en-US" sz="1100" dirty="0"/>
+              <a:t>, sed maximus </a:t>
+            </a:r>
+            <a:r>
+              <a:rPr lang="en-US" sz="1100" dirty="0" err="1"/>
+              <a:t>elit</a:t>
+            </a:r>
+            <a:r>
+              <a:rPr lang="en-US" sz="1100" dirty="0"/>
+              <a:t> semper. </a:t>
+            </a:r>
+            <a:r>
+              <a:rPr lang="en-US" sz="1100" dirty="0" err="1"/>
+              <a:t>Suspendisse</a:t>
+            </a:r>
+            <a:r>
+              <a:rPr lang="en-US" sz="1100" dirty="0"/>
+              <a:t> cursus </a:t>
+            </a:r>
+            <a:r>
+              <a:rPr lang="en-US" sz="1100" dirty="0" err="1"/>
+              <a:t>nibh</a:t>
+            </a:r>
+            <a:r>
+              <a:rPr lang="en-US" sz="1100" dirty="0"/>
+              <a:t> diam, id fermentum </a:t>
+            </a:r>
+            <a:r>
+              <a:rPr lang="en-US" sz="1100" dirty="0" err="1"/>
+              <a:t>risus</a:t>
+            </a:r>
+            <a:r>
+              <a:rPr lang="en-US" sz="1100" dirty="0"/>
+              <a:t> dictum </a:t>
+            </a:r>
+            <a:r>
+              <a:rPr lang="en-US" sz="1100" dirty="0" err="1"/>
+              <a:t>ornare</a:t>
+            </a:r>
+            <a:r>
+              <a:rPr lang="en-US" sz="1100" dirty="0"/>
+              <a:t>. </a:t>
+            </a:r>
+            <a:r>
+              <a:rPr lang="en-US" sz="1100" dirty="0" err="1"/>
+              <a:t>Etiam</a:t>
+            </a:r>
+            <a:r>
+              <a:rPr lang="en-US" sz="1100" dirty="0"/>
+              <a:t> </a:t>
+            </a:r>
+            <a:r>
+              <a:rPr lang="en-US" sz="1100" dirty="0" err="1"/>
+              <a:t>tincidunt</a:t>
+            </a:r>
+            <a:r>
+              <a:rPr lang="en-US" sz="1100" dirty="0"/>
+              <a:t> </a:t>
+            </a:r>
+            <a:r>
+              <a:rPr lang="en-US" sz="1100" dirty="0" err="1"/>
+              <a:t>turpis</a:t>
+            </a:r>
+            <a:r>
+              <a:rPr lang="en-US" sz="1100" dirty="0"/>
+              <a:t> </a:t>
+            </a:r>
+            <a:r>
+              <a:rPr lang="en-US" sz="1100" dirty="0" err="1"/>
+              <a:t>quam</a:t>
+            </a:r>
+            <a:r>
+              <a:rPr lang="en-US" sz="1100" dirty="0"/>
+              <a:t>, </a:t>
+            </a:r>
+            <a:r>
+              <a:rPr lang="en-US" sz="1100" dirty="0" err="1"/>
+              <a:t>accumsan</a:t>
+            </a:r>
+            <a:r>
+              <a:rPr lang="en-US" sz="1100" dirty="0"/>
+              <a:t> fermentum ex convallis </a:t>
+            </a:r>
+            <a:r>
+              <a:rPr lang="en-US" sz="1100" dirty="0" err="1"/>
+              <a:t>eu</a:t>
+            </a:r>
+            <a:r>
+              <a:rPr lang="en-US" sz="1100" dirty="0"/>
+              <a:t>. Aenean </a:t>
+            </a:r>
+            <a:r>
+              <a:rPr lang="en-US" sz="1100" dirty="0" err="1"/>
+              <a:t>facilisis</a:t>
+            </a:r>
+            <a:r>
+              <a:rPr lang="en-US" sz="1100" dirty="0"/>
+              <a:t> </a:t>
+            </a:r>
+            <a:r>
+              <a:rPr lang="en-US" sz="1100" dirty="0" err="1"/>
+              <a:t>massa</a:t>
+            </a:r>
+            <a:r>
+              <a:rPr lang="en-US" sz="1100" dirty="0"/>
+              <a:t> </a:t>
+            </a:r>
+            <a:r>
+              <a:rPr lang="en-US" sz="1100" dirty="0" err="1"/>
+              <a:t>orci</a:t>
+            </a:r>
+            <a:r>
+              <a:rPr lang="en-US" sz="1100" dirty="0"/>
+              <a:t>, sit </a:t>
+            </a:r>
+            <a:r>
+              <a:rPr lang="en-US" sz="1100" dirty="0" err="1"/>
+              <a:t>amet</a:t>
+            </a:r>
+            <a:r>
+              <a:rPr lang="en-US" sz="1100" dirty="0"/>
+              <a:t> </a:t>
+            </a:r>
+            <a:r>
+              <a:rPr lang="en-US" sz="1100" dirty="0" err="1"/>
+              <a:t>posuere</a:t>
+            </a:r>
+            <a:r>
+              <a:rPr lang="en-US" sz="1100" dirty="0"/>
+              <a:t> </a:t>
+            </a:r>
+            <a:r>
+              <a:rPr lang="en-US" sz="1100" dirty="0" err="1"/>
+              <a:t>erat</a:t>
+            </a:r>
+            <a:r>
+              <a:rPr lang="en-US" sz="1100" dirty="0"/>
+              <a:t> lacinia ac. Donec </a:t>
+            </a:r>
+            <a:r>
+              <a:rPr lang="en-US" sz="1100" dirty="0" err="1"/>
+              <a:t>quis</a:t>
+            </a:r>
+            <a:r>
+              <a:rPr lang="en-US" sz="1100" dirty="0"/>
+              <a:t> </a:t>
+            </a:r>
+            <a:r>
+              <a:rPr lang="en-US" sz="1100" dirty="0" err="1"/>
+              <a:t>felis</a:t>
+            </a:r>
+            <a:r>
+              <a:rPr lang="en-US" sz="1100" dirty="0"/>
+              <a:t> at </a:t>
+            </a:r>
+            <a:r>
+              <a:rPr lang="en-US" sz="1100" dirty="0" err="1"/>
+              <a:t>augue</a:t>
+            </a:r>
+            <a:r>
+              <a:rPr lang="en-US" sz="1100" dirty="0"/>
+              <a:t> lacinia </a:t>
+            </a:r>
+            <a:r>
+              <a:rPr lang="en-US" sz="1100" dirty="0" err="1"/>
+              <a:t>hendrerit</a:t>
+            </a:r>
+            <a:r>
+              <a:rPr lang="en-US" sz="1100" dirty="0"/>
+              <a:t>. </a:t>
+            </a:r>
+            <a:r>
+              <a:rPr lang="en-US" sz="1100" dirty="0" err="1"/>
+              <a:t>Phasellus</a:t>
+            </a:r>
+            <a:r>
+              <a:rPr lang="en-US" sz="1100" dirty="0"/>
+              <a:t> </a:t>
+            </a:r>
+            <a:r>
+              <a:rPr lang="en-US" sz="1100" dirty="0" err="1"/>
+              <a:t>scelerisque</a:t>
+            </a:r>
+            <a:r>
+              <a:rPr lang="en-US" sz="1100" dirty="0"/>
+              <a:t>, </a:t>
+            </a:r>
+            <a:r>
+              <a:rPr lang="en-US" sz="1100" dirty="0" err="1"/>
+              <a:t>justo</a:t>
+            </a:r>
+            <a:r>
+              <a:rPr lang="en-US" sz="1100" dirty="0"/>
+              <a:t> vel </a:t>
+            </a:r>
+            <a:r>
+              <a:rPr lang="en-US" sz="1100" dirty="0" err="1"/>
+              <a:t>placerat</a:t>
+            </a:r>
+            <a:r>
+              <a:rPr lang="en-US" sz="1100" dirty="0"/>
+              <a:t> </a:t>
+            </a:r>
+            <a:r>
+              <a:rPr lang="en-US" sz="1100" dirty="0" err="1"/>
+              <a:t>lobortis</a:t>
+            </a:r>
+            <a:r>
+              <a:rPr lang="en-US" sz="1100" dirty="0"/>
+              <a:t>, </a:t>
+            </a:r>
+            <a:r>
+              <a:rPr lang="en-US" sz="1100" dirty="0" err="1"/>
+              <a:t>risus</a:t>
+            </a:r>
+            <a:r>
+              <a:rPr lang="en-US" sz="1100" dirty="0"/>
+              <a:t> </a:t>
+            </a:r>
+            <a:r>
+              <a:rPr lang="en-US" sz="1100" dirty="0" err="1"/>
+              <a:t>sapien</a:t>
+            </a:r>
+            <a:r>
+              <a:rPr lang="en-US" sz="1100" dirty="0"/>
+              <a:t> </a:t>
+            </a:r>
+            <a:r>
+              <a:rPr lang="en-US" sz="1100" dirty="0" err="1"/>
+              <a:t>sollicitudin</a:t>
+            </a:r>
+            <a:r>
+              <a:rPr lang="en-US" sz="1100" dirty="0"/>
+              <a:t> </a:t>
+            </a:r>
+            <a:r>
+              <a:rPr lang="en-US" sz="1100" dirty="0" err="1"/>
+              <a:t>orci</a:t>
+            </a:r>
+            <a:r>
+              <a:rPr lang="en-US" sz="1100" dirty="0"/>
+              <a:t>, </a:t>
+            </a:r>
+            <a:r>
+              <a:rPr lang="en-US" sz="1100" dirty="0" err="1"/>
+              <a:t>eu</a:t>
+            </a:r>
+            <a:r>
+              <a:rPr lang="en-US" sz="1100" dirty="0"/>
+              <a:t> </a:t>
+            </a:r>
+            <a:r>
+              <a:rPr lang="en-US" sz="1100" dirty="0" err="1"/>
+              <a:t>ullamcorper</a:t>
+            </a:r>
+            <a:r>
+              <a:rPr lang="en-US" sz="1100" dirty="0"/>
+              <a:t> </a:t>
+            </a:r>
+            <a:r>
+              <a:rPr lang="en-US" sz="1100" dirty="0" err="1"/>
+              <a:t>turpis</a:t>
+            </a:r>
+            <a:r>
+              <a:rPr lang="en-US" sz="1100" dirty="0"/>
+              <a:t> </a:t>
+            </a:r>
+            <a:r>
+              <a:rPr lang="en-US" sz="1100" dirty="0" err="1"/>
+              <a:t>enim</a:t>
+            </a:r>
+            <a:r>
+              <a:rPr lang="en-US" sz="1100" dirty="0"/>
+              <a:t> sit </a:t>
+            </a:r>
+            <a:r>
+              <a:rPr lang="en-US" sz="1100" dirty="0" err="1"/>
+              <a:t>amet</a:t>
+            </a:r>
+            <a:r>
+              <a:rPr lang="en-US" sz="1100" dirty="0"/>
+              <a:t> </a:t>
+            </a:r>
+            <a:r>
+              <a:rPr lang="en-US" sz="1100" dirty="0" err="1"/>
+              <a:t>orci</a:t>
+            </a:r>
+            <a:r>
+              <a:rPr lang="en-US" sz="1100" dirty="0"/>
+              <a:t>. Nunc </a:t>
+            </a:r>
+            <a:r>
+              <a:rPr lang="en-US" sz="1100" dirty="0" err="1"/>
+              <a:t>faucibus</a:t>
+            </a:r>
+            <a:r>
+              <a:rPr lang="en-US" sz="1100" dirty="0"/>
+              <a:t> ipsum non </a:t>
+            </a:r>
+            <a:r>
+              <a:rPr lang="en-US" sz="1100" dirty="0" err="1"/>
+              <a:t>purus</a:t>
+            </a:r>
+            <a:r>
+              <a:rPr lang="en-US" sz="1100" dirty="0"/>
+              <a:t> </a:t>
+            </a:r>
+            <a:r>
+              <a:rPr lang="en-US" sz="1100" dirty="0" err="1"/>
+              <a:t>euismod</a:t>
+            </a:r>
+            <a:r>
+              <a:rPr lang="en-US" sz="1100" dirty="0"/>
+              <a:t> </a:t>
+            </a:r>
+            <a:r>
+              <a:rPr lang="en-US" sz="1100" dirty="0" err="1"/>
+              <a:t>euismod</a:t>
+            </a:r>
+            <a:r>
+              <a:rPr lang="en-US" sz="1100" dirty="0"/>
+              <a:t>. Donec vel gravida </a:t>
+            </a:r>
+            <a:r>
+              <a:rPr lang="en-US" sz="1100" dirty="0" err="1"/>
+              <a:t>purus</a:t>
+            </a:r>
+            <a:r>
+              <a:rPr lang="en-US" sz="1100" dirty="0"/>
+              <a:t>, sed cursus </a:t>
+            </a:r>
+            <a:r>
+              <a:rPr lang="en-US" sz="1100" dirty="0" err="1"/>
+              <a:t>sapien</a:t>
+            </a:r>
+            <a:r>
+              <a:rPr lang="en-US" sz="1100" dirty="0"/>
+              <a:t>. In tempus eros et ligula </a:t>
+            </a:r>
+            <a:r>
+              <a:rPr lang="en-US" sz="1100" dirty="0" err="1"/>
+              <a:t>tincidunt</a:t>
+            </a:r>
+            <a:r>
+              <a:rPr lang="en-US" sz="1100" dirty="0"/>
+              <a:t>, </a:t>
+            </a:r>
+            <a:r>
+              <a:rPr lang="en-US" sz="1100" dirty="0" err="1"/>
+              <a:t>nec</a:t>
+            </a:r>
+            <a:r>
+              <a:rPr lang="en-US" sz="1100" dirty="0"/>
+              <a:t> </a:t>
+            </a:r>
+            <a:r>
+              <a:rPr lang="en-US" sz="1100" dirty="0" err="1"/>
+              <a:t>vehicula</a:t>
+            </a:r>
+            <a:r>
+              <a:rPr lang="en-US" sz="1100" dirty="0"/>
+              <a:t> </a:t>
+            </a:r>
+            <a:r>
+              <a:rPr lang="en-US" sz="1100" dirty="0" err="1"/>
+              <a:t>lectus</a:t>
+            </a:r>
+            <a:r>
+              <a:rPr lang="en-US" sz="1100" dirty="0"/>
+              <a:t> porta. Aenean </a:t>
+            </a:r>
+            <a:r>
+              <a:rPr lang="en-US" sz="1100" dirty="0" err="1"/>
+              <a:t>posuere</a:t>
+            </a:r>
+            <a:r>
+              <a:rPr lang="en-US" sz="1100" dirty="0"/>
+              <a:t> </a:t>
+            </a:r>
+            <a:r>
+              <a:rPr lang="en-US" sz="1100" dirty="0" err="1"/>
+              <a:t>augue</a:t>
+            </a:r>
+            <a:r>
+              <a:rPr lang="en-US" sz="1100" dirty="0"/>
+              <a:t> </a:t>
+            </a:r>
+            <a:r>
+              <a:rPr lang="en-US" sz="1100" dirty="0" err="1"/>
+              <a:t>nec</a:t>
+            </a:r>
+            <a:r>
+              <a:rPr lang="en-US" sz="1100" dirty="0"/>
+              <a:t> eros </a:t>
+            </a:r>
+            <a:r>
+              <a:rPr lang="en-US" sz="1100" dirty="0" err="1"/>
+              <a:t>sodales</a:t>
+            </a:r>
+            <a:r>
+              <a:rPr lang="en-US" sz="1100" dirty="0"/>
+              <a:t> </a:t>
+            </a:r>
+            <a:r>
+              <a:rPr lang="en-US" sz="1100" dirty="0" err="1"/>
+              <a:t>luctus</a:t>
+            </a:r>
+            <a:r>
+              <a:rPr lang="en-US" sz="1100" dirty="0"/>
+              <a:t>. </a:t>
+            </a:r>
+            <a:r>
+              <a:rPr lang="en-US" sz="1100" dirty="0" err="1"/>
+              <a:t>Etiam</a:t>
+            </a:r>
+            <a:r>
+              <a:rPr lang="en-US" sz="1100" dirty="0"/>
+              <a:t> </a:t>
+            </a:r>
+            <a:r>
+              <a:rPr lang="en-US" sz="1100" dirty="0" err="1"/>
+              <a:t>nec</a:t>
+            </a:r>
+            <a:r>
+              <a:rPr lang="en-US" sz="1100" dirty="0"/>
+              <a:t> </a:t>
+            </a:r>
+            <a:r>
+              <a:rPr lang="en-US" sz="1100" dirty="0" err="1"/>
+              <a:t>augue</a:t>
+            </a:r>
+            <a:r>
+              <a:rPr lang="en-US" sz="1100" dirty="0"/>
+              <a:t> </a:t>
+            </a:r>
+            <a:r>
+              <a:rPr lang="en-US" sz="1100" dirty="0" err="1"/>
+              <a:t>nec</a:t>
+            </a:r>
+            <a:r>
+              <a:rPr lang="en-US" sz="1100" dirty="0"/>
+              <a:t> </a:t>
+            </a:r>
+            <a:r>
+              <a:rPr lang="en-US" sz="1100" dirty="0" err="1"/>
+              <a:t>sapien</a:t>
+            </a:r>
+            <a:r>
+              <a:rPr lang="en-US" sz="1100" dirty="0"/>
+              <a:t> </a:t>
+            </a:r>
+            <a:r>
+              <a:rPr lang="en-US" sz="1100" dirty="0" err="1"/>
+              <a:t>pretium</a:t>
+            </a:r>
+            <a:r>
+              <a:rPr lang="en-US" sz="1100" dirty="0"/>
+              <a:t> </a:t>
+            </a:r>
+            <a:r>
+              <a:rPr lang="en-US" sz="1100" dirty="0" err="1"/>
+              <a:t>aliquam</a:t>
+            </a:r>
+            <a:r>
+              <a:rPr lang="en-US" sz="1100" dirty="0"/>
+              <a:t> id in </a:t>
+            </a:r>
+            <a:r>
+              <a:rPr lang="en-US" sz="1100" dirty="0" err="1"/>
+              <a:t>orci</a:t>
+            </a:r>
+            <a:r>
+              <a:rPr lang="en-US" sz="1100" dirty="0"/>
+              <a:t>. Sed </a:t>
+            </a:r>
+            <a:r>
+              <a:rPr lang="en-US" sz="1100" dirty="0" err="1"/>
+              <a:t>est</a:t>
+            </a:r>
+            <a:r>
+              <a:rPr lang="en-US" sz="1100" dirty="0"/>
+              <a:t> </a:t>
+            </a:r>
+            <a:r>
+              <a:rPr lang="en-US" sz="1100" dirty="0" err="1"/>
+              <a:t>lacus</a:t>
+            </a:r>
+            <a:r>
+              <a:rPr lang="en-US" sz="1100" dirty="0"/>
+              <a:t>, </a:t>
+            </a:r>
+            <a:r>
+              <a:rPr lang="en-US" sz="1100" dirty="0" err="1"/>
+              <a:t>dignissim</a:t>
+            </a:r>
+            <a:r>
+              <a:rPr lang="en-US" sz="1100" dirty="0"/>
+              <a:t> sed </a:t>
+            </a:r>
+            <a:r>
+              <a:rPr lang="en-US" sz="1100" dirty="0" err="1"/>
+              <a:t>enim</a:t>
+            </a:r>
+            <a:r>
+              <a:rPr lang="en-US" sz="1100" dirty="0"/>
+              <a:t> in, </a:t>
+            </a:r>
+            <a:r>
+              <a:rPr lang="en-US" sz="1100" dirty="0" err="1"/>
+              <a:t>varius</a:t>
+            </a:r>
+            <a:r>
+              <a:rPr lang="en-US" sz="1100" dirty="0"/>
+              <a:t> </a:t>
+            </a:r>
+            <a:r>
+              <a:rPr lang="en-US" sz="1100" dirty="0" err="1"/>
+              <a:t>feugiat</a:t>
+            </a:r>
+            <a:r>
+              <a:rPr lang="en-US" sz="1100" dirty="0"/>
+              <a:t> </a:t>
+            </a:r>
+            <a:r>
+              <a:rPr lang="en-US" sz="1100" dirty="0" err="1"/>
+              <a:t>tortor</a:t>
+            </a:r>
+            <a:r>
+              <a:rPr lang="en-US" sz="1100" dirty="0"/>
+              <a:t>. </a:t>
             </a:r>
           </a:p>
         </p:txBody>
